--- a/presentation/supplementary-slides.pptx
+++ b/presentation/supplementary-slides.pptx
@@ -215,7 +215,7 @@
           <a:p>
             <a:fld id="{59041DB8-B66F-4DC8-A96E-33677E0F90FF}" type="datetimeFigureOut">
               <a:rPr lang="en-US" smtClean="0"/>
-              <a:t>6/18/2018</a:t>
+              <a:t>6/20/2018</a:t>
             </a:fld>
             <a:endParaRPr lang="en-US"/>
           </a:p>
@@ -380,7 +380,7 @@
           <a:p>
             <a:fld id="{DEB49C4A-65AC-492D-9701-81B46C3AD0E4}" type="datetimeFigureOut">
               <a:rPr lang="en-US" smtClean="0"/>
-              <a:t>6/18/2018</a:t>
+              <a:t>6/20/2018</a:t>
             </a:fld>
             <a:endParaRPr lang="en-US"/>
           </a:p>
@@ -2788,7 +2788,7 @@
           <a:p>
             <a:fld id="{384A29A4-78C8-47AB-BA06-22CB45938951}" type="datetime1">
               <a:rPr lang="en-US" smtClean="0"/>
-              <a:t>6/18/2018</a:t>
+              <a:t>6/20/2018</a:t>
             </a:fld>
             <a:endParaRPr lang="en-US"/>
           </a:p>
@@ -2983,7 +2983,7 @@
           <a:p>
             <a:fld id="{E1ED4ACF-2D82-46F2-A8E9-23963AA34E86}" type="datetime1">
               <a:rPr lang="en-US" smtClean="0"/>
-              <a:t>6/18/2018</a:t>
+              <a:t>6/20/2018</a:t>
             </a:fld>
             <a:endParaRPr lang="en-US"/>
           </a:p>
@@ -3167,7 +3167,7 @@
           <a:p>
             <a:fld id="{AE374B5B-21A0-4192-BF4C-38187F1A68D8}" type="datetime1">
               <a:rPr lang="en-US" smtClean="0"/>
-              <a:t>6/18/2018</a:t>
+              <a:t>6/20/2018</a:t>
             </a:fld>
             <a:endParaRPr lang="en-US"/>
           </a:p>
@@ -5508,7 +5508,7 @@
           <a:p>
             <a:fld id="{33B5CF7C-B333-48E1-A4A6-83A3C8B73AC0}" type="datetime1">
               <a:rPr lang="en-US" smtClean="0"/>
-              <a:t>6/18/2018</a:t>
+              <a:t>6/20/2018</a:t>
             </a:fld>
             <a:endParaRPr lang="en-US"/>
           </a:p>
@@ -5961,7 +5961,7 @@
           <a:p>
             <a:fld id="{AE320762-5CBF-4210-AB54-376B091119F8}" type="datetime1">
               <a:rPr lang="en-US" smtClean="0"/>
-              <a:t>6/18/2018</a:t>
+              <a:t>6/20/2018</a:t>
             </a:fld>
             <a:endParaRPr lang="en-US"/>
           </a:p>
@@ -6093,7 +6093,7 @@
           <a:p>
             <a:fld id="{7F0DB371-BF5F-4058-A212-1A908E4D2674}" type="datetime1">
               <a:rPr lang="en-US" smtClean="0"/>
-              <a:t>6/18/2018</a:t>
+              <a:t>6/20/2018</a:t>
             </a:fld>
             <a:endParaRPr lang="en-US"/>
           </a:p>
@@ -8026,7 +8026,7 @@
           <a:p>
             <a:fld id="{60A4083B-90AA-48CF-BAD5-00AA24D7F288}" type="datetime1">
               <a:rPr lang="en-US" smtClean="0"/>
-              <a:t>6/18/2018</a:t>
+              <a:t>6/20/2018</a:t>
             </a:fld>
             <a:endParaRPr lang="en-US"/>
           </a:p>
@@ -10285,7 +10285,7 @@
             <a:fld id="{F5BAF629-ECA2-4CF3-B790-9D9BDED98269}" type="datetime1">
               <a:rPr lang="en-US" smtClean="0"/>
               <a:pPr/>
-              <a:t>6/18/2018</a:t>
+              <a:t>6/20/2018</a:t>
             </a:fld>
             <a:endParaRPr lang="en-US"/>
           </a:p>
@@ -14580,7 +14580,7 @@
             <a:fld id="{B51B2453-8663-4C69-AF73-9FD7B1DEC5D0}" type="datetime1">
               <a:rPr lang="en-US" smtClean="0"/>
               <a:pPr/>
-              <a:t>6/18/2018</a:t>
+              <a:t>6/20/2018</a:t>
             </a:fld>
             <a:endParaRPr lang="en-US" dirty="0"/>
           </a:p>
@@ -15150,7 +15150,7 @@
           <a:p>
             <a:r>
               <a:rPr lang="en-GB" dirty="0"/>
-              <a:t>RPG Demo</a:t>
+              <a:t>Entity</a:t>
             </a:r>
           </a:p>
         </p:txBody>
@@ -15176,10 +15176,48 @@
           <a:bodyPr/>
           <a:lstStyle/>
           <a:p>
-            <a:endParaRPr lang="en-GB"/>
+            <a:r>
+              <a:rPr lang="en-GB" dirty="0"/>
+              <a:t>Object which can be a potential target / context</a:t>
+            </a:r>
           </a:p>
         </p:txBody>
       </p:sp>
+      <p:pic>
+        <p:nvPicPr>
+          <p:cNvPr id="5" name="Picture 4">
+            <a:extLst>
+              <a:ext uri="{FF2B5EF4-FFF2-40B4-BE49-F238E27FC236}">
+                <a16:creationId xmlns:a16="http://schemas.microsoft.com/office/drawing/2014/main" id="{520E8B39-F00A-4745-8E58-2B356B4D8472}"/>
+              </a:ext>
+            </a:extLst>
+          </p:cNvPr>
+          <p:cNvPicPr>
+            <a:picLocks noChangeAspect="1"/>
+          </p:cNvPicPr>
+          <p:nvPr/>
+        </p:nvPicPr>
+        <p:blipFill>
+          <a:blip r:embed="rId2"/>
+          <a:stretch>
+            <a:fillRect/>
+          </a:stretch>
+        </p:blipFill>
+        <p:spPr>
+          <a:xfrm>
+            <a:off x="2890837" y="2843212"/>
+            <a:ext cx="6410325" cy="2085975"/>
+          </a:xfrm>
+          <a:prstGeom prst="rect">
+            <a:avLst/>
+          </a:prstGeom>
+          <a:ln>
+            <a:solidFill>
+              <a:schemeClr val="tx2"/>
+            </a:solidFill>
+          </a:ln>
+        </p:spPr>
+      </p:pic>
     </p:spTree>
     <p:extLst>
       <p:ext uri="{BB962C8B-B14F-4D97-AF65-F5344CB8AC3E}">

--- a/presentation/supplementary-slides.pptx
+++ b/presentation/supplementary-slides.pptx
@@ -5,14 +5,17 @@
     <p:sldMasterId id="2147483648" r:id="rId1"/>
   </p:sldMasterIdLst>
   <p:notesMasterIdLst>
-    <p:notesMasterId r:id="rId4"/>
+    <p:notesMasterId r:id="rId7"/>
   </p:notesMasterIdLst>
   <p:handoutMasterIdLst>
-    <p:handoutMasterId r:id="rId5"/>
+    <p:handoutMasterId r:id="rId8"/>
   </p:handoutMasterIdLst>
   <p:sldIdLst>
-    <p:sldId id="261" r:id="rId2"/>
-    <p:sldId id="268" r:id="rId3"/>
+    <p:sldId id="272" r:id="rId2"/>
+    <p:sldId id="275" r:id="rId3"/>
+    <p:sldId id="268" r:id="rId4"/>
+    <p:sldId id="273" r:id="rId5"/>
+    <p:sldId id="277" r:id="rId6"/>
   </p:sldIdLst>
   <p:sldSz cx="12192000" cy="6858000"/>
   <p:notesSz cx="6858000" cy="9144000"/>
@@ -15037,44 +15040,18 @@
       </p:grpSpPr>
       <p:sp>
         <p:nvSpPr>
-          <p:cNvPr id="2" name="Title 1"/>
+          <p:cNvPr id="2" name="Title 1">
+            <a:extLst>
+              <a:ext uri="{FF2B5EF4-FFF2-40B4-BE49-F238E27FC236}">
+                <a16:creationId xmlns:a16="http://schemas.microsoft.com/office/drawing/2014/main" id="{3FEA4B47-DC79-4F0C-96B7-89C9D8601611}"/>
+              </a:ext>
+            </a:extLst>
+          </p:cNvPr>
           <p:cNvSpPr>
             <a:spLocks noGrp="1"/>
           </p:cNvSpPr>
           <p:nvPr>
-            <p:ph type="ctrTitle"/>
-          </p:nvPr>
-        </p:nvSpPr>
-        <p:spPr/>
-        <p:txBody>
-          <a:bodyPr>
-            <a:normAutofit/>
-          </a:bodyPr>
-          <a:lstStyle/>
-          <a:p>
-            <a:r>
-              <a:rPr lang="en-US" sz="6600" dirty="0"/>
-              <a:t>Voice Recognition RPG</a:t>
-            </a:r>
-            <a:br>
-              <a:rPr lang="en-US" sz="6600" dirty="0"/>
-            </a:br>
-            <a:r>
-              <a:rPr lang="en-US" sz="2000" dirty="0"/>
-              <a:t>Supplementary Slides</a:t>
-            </a:r>
-            <a:endParaRPr lang="en-US" sz="6600" dirty="0"/>
-          </a:p>
-        </p:txBody>
-      </p:sp>
-      <p:sp>
-        <p:nvSpPr>
-          <p:cNvPr id="3" name="Subtitle 2"/>
-          <p:cNvSpPr>
-            <a:spLocks noGrp="1"/>
-          </p:cNvSpPr>
-          <p:nvPr>
-            <p:ph type="subTitle" idx="1"/>
+            <p:ph type="title"/>
           </p:nvPr>
         </p:nvSpPr>
         <p:spPr/>
@@ -15083,16 +15060,46 @@
           <a:lstStyle/>
           <a:p>
             <a:r>
-              <a:rPr lang="en-US" dirty="0"/>
-              <a:t>Baron Khan</a:t>
+              <a:rPr lang="en-GB" dirty="0"/>
+              <a:t>System Architecture</a:t>
             </a:r>
           </a:p>
         </p:txBody>
       </p:sp>
+      <p:pic>
+        <p:nvPicPr>
+          <p:cNvPr id="5" name="Picture 4">
+            <a:extLst>
+              <a:ext uri="{FF2B5EF4-FFF2-40B4-BE49-F238E27FC236}">
+                <a16:creationId xmlns:a16="http://schemas.microsoft.com/office/drawing/2014/main" id="{1CF951E0-3A38-4051-9075-4B288792CDAF}"/>
+              </a:ext>
+            </a:extLst>
+          </p:cNvPr>
+          <p:cNvPicPr>
+            <a:picLocks noChangeAspect="1"/>
+          </p:cNvPicPr>
+          <p:nvPr/>
+        </p:nvPicPr>
+        <p:blipFill>
+          <a:blip r:embed="rId2"/>
+          <a:stretch>
+            <a:fillRect/>
+          </a:stretch>
+        </p:blipFill>
+        <p:spPr>
+          <a:xfrm>
+            <a:off x="3791824" y="1745592"/>
+            <a:ext cx="4608352" cy="4297994"/>
+          </a:xfrm>
+          <a:prstGeom prst="rect">
+            <a:avLst/>
+          </a:prstGeom>
+        </p:spPr>
+      </p:pic>
     </p:spTree>
     <p:extLst>
       <p:ext uri="{BB962C8B-B14F-4D97-AF65-F5344CB8AC3E}">
-        <p14:creationId xmlns:p14="http://schemas.microsoft.com/office/powerpoint/2010/main" val="106904919"/>
+        <p14:creationId xmlns:p14="http://schemas.microsoft.com/office/powerpoint/2010/main" val="936909947"/>
       </p:ext>
     </p:extLst>
   </p:cSld>
@@ -15111,6 +15118,223 @@
 </file>
 
 <file path=ppt/slides/slide2.xml><?xml version="1.0" encoding="utf-8"?>
+<p:sld xmlns:a="http://schemas.openxmlformats.org/drawingml/2006/main" xmlns:r="http://schemas.openxmlformats.org/officeDocument/2006/relationships" xmlns:p="http://schemas.openxmlformats.org/presentationml/2006/main">
+  <p:cSld>
+    <p:spTree>
+      <p:nvGrpSpPr>
+        <p:cNvPr id="1" name=""/>
+        <p:cNvGrpSpPr/>
+        <p:nvPr/>
+      </p:nvGrpSpPr>
+      <p:grpSpPr>
+        <a:xfrm>
+          <a:off x="0" y="0"/>
+          <a:ext cx="0" cy="0"/>
+          <a:chOff x="0" y="0"/>
+          <a:chExt cx="0" cy="0"/>
+        </a:xfrm>
+      </p:grpSpPr>
+      <p:sp>
+        <p:nvSpPr>
+          <p:cNvPr id="2" name="Title 1">
+            <a:extLst>
+              <a:ext uri="{FF2B5EF4-FFF2-40B4-BE49-F238E27FC236}">
+                <a16:creationId xmlns:a16="http://schemas.microsoft.com/office/drawing/2014/main" id="{F563D9FF-961E-4927-98AF-29C2B963518F}"/>
+              </a:ext>
+            </a:extLst>
+          </p:cNvPr>
+          <p:cNvSpPr>
+            <a:spLocks noGrp="1"/>
+          </p:cNvSpPr>
+          <p:nvPr>
+            <p:ph type="title"/>
+          </p:nvPr>
+        </p:nvSpPr>
+        <p:spPr/>
+        <p:txBody>
+          <a:bodyPr/>
+          <a:lstStyle/>
+          <a:p>
+            <a:r>
+              <a:rPr lang="en-GB" dirty="0"/>
+              <a:t>Context-Action Map Table Generator</a:t>
+            </a:r>
+          </a:p>
+        </p:txBody>
+      </p:sp>
+      <p:sp>
+        <p:nvSpPr>
+          <p:cNvPr id="3" name="Content Placeholder 2">
+            <a:extLst>
+              <a:ext uri="{FF2B5EF4-FFF2-40B4-BE49-F238E27FC236}">
+                <a16:creationId xmlns:a16="http://schemas.microsoft.com/office/drawing/2014/main" id="{FAD17732-3BAF-44DA-AB42-42087CD56FEB}"/>
+              </a:ext>
+            </a:extLst>
+          </p:cNvPr>
+          <p:cNvSpPr>
+            <a:spLocks noGrp="1"/>
+          </p:cNvSpPr>
+          <p:nvPr>
+            <p:ph idx="1"/>
+          </p:nvPr>
+        </p:nvSpPr>
+        <p:spPr/>
+        <p:txBody>
+          <a:bodyPr/>
+          <a:lstStyle/>
+          <a:p>
+            <a:endParaRPr lang="en-GB" dirty="0"/>
+          </a:p>
+          <a:p>
+            <a:endParaRPr lang="en-GB" dirty="0"/>
+          </a:p>
+          <a:p>
+            <a:endParaRPr lang="en-GB" dirty="0"/>
+          </a:p>
+          <a:p>
+            <a:pPr marL="0" indent="0" algn="ctr">
+              <a:buNone/>
+            </a:pPr>
+            <a:r>
+              <a:rPr lang="en-GB" dirty="0">
+                <a:latin typeface="Consolas" panose="020B0609020204030204" pitchFamily="49" charset="0"/>
+              </a:rPr>
+              <a:t>python generateTable.py game-map.csv </a:t>
+            </a:r>
+            <a:r>
+              <a:rPr lang="en-GB" dirty="0" err="1">
+                <a:latin typeface="Consolas" panose="020B0609020204030204" pitchFamily="49" charset="0"/>
+              </a:rPr>
+              <a:t>GameContextActionMap</a:t>
+            </a:r>
+            <a:endParaRPr lang="en-GB" dirty="0">
+              <a:latin typeface="Consolas" panose="020B0609020204030204" pitchFamily="49" charset="0"/>
+            </a:endParaRPr>
+          </a:p>
+        </p:txBody>
+      </p:sp>
+      <p:pic>
+        <p:nvPicPr>
+          <p:cNvPr id="4" name="Picture 3">
+            <a:extLst>
+              <a:ext uri="{FF2B5EF4-FFF2-40B4-BE49-F238E27FC236}">
+                <a16:creationId xmlns:a16="http://schemas.microsoft.com/office/drawing/2014/main" id="{499D4BE0-082A-4B58-A03F-D8B308CD3AFA}"/>
+              </a:ext>
+            </a:extLst>
+          </p:cNvPr>
+          <p:cNvPicPr>
+            <a:picLocks noChangeAspect="1"/>
+          </p:cNvPicPr>
+          <p:nvPr/>
+        </p:nvPicPr>
+        <p:blipFill>
+          <a:blip r:embed="rId2"/>
+          <a:stretch>
+            <a:fillRect/>
+          </a:stretch>
+        </p:blipFill>
+        <p:spPr>
+          <a:xfrm>
+            <a:off x="3886898" y="1981201"/>
+            <a:ext cx="4418204" cy="1170856"/>
+          </a:xfrm>
+          <a:prstGeom prst="rect">
+            <a:avLst/>
+          </a:prstGeom>
+        </p:spPr>
+      </p:pic>
+      <p:pic>
+        <p:nvPicPr>
+          <p:cNvPr id="5" name="Picture 4">
+            <a:extLst>
+              <a:ext uri="{FF2B5EF4-FFF2-40B4-BE49-F238E27FC236}">
+                <a16:creationId xmlns:a16="http://schemas.microsoft.com/office/drawing/2014/main" id="{2E6AFE2B-9E65-4623-9274-0AEFF1519F26}"/>
+              </a:ext>
+            </a:extLst>
+          </p:cNvPr>
+          <p:cNvPicPr>
+            <a:picLocks noChangeAspect="1"/>
+          </p:cNvPicPr>
+          <p:nvPr/>
+        </p:nvPicPr>
+        <p:blipFill rotWithShape="1">
+          <a:blip r:embed="rId3"/>
+          <a:srcRect t="1295" b="1"/>
+          <a:stretch/>
+        </p:blipFill>
+        <p:spPr>
+          <a:xfrm>
+            <a:off x="1295400" y="4758382"/>
+            <a:ext cx="9601200" cy="1032818"/>
+          </a:xfrm>
+          <a:prstGeom prst="rect">
+            <a:avLst/>
+          </a:prstGeom>
+        </p:spPr>
+      </p:pic>
+      <p:cxnSp>
+        <p:nvCxnSpPr>
+          <p:cNvPr id="7" name="Straight Arrow Connector 6">
+            <a:extLst>
+              <a:ext uri="{FF2B5EF4-FFF2-40B4-BE49-F238E27FC236}">
+                <a16:creationId xmlns:a16="http://schemas.microsoft.com/office/drawing/2014/main" id="{408E75BE-8C5D-4111-86A7-867C976A79C1}"/>
+              </a:ext>
+            </a:extLst>
+          </p:cNvPr>
+          <p:cNvCxnSpPr>
+            <a:cxnSpLocks/>
+          </p:cNvCxnSpPr>
+          <p:nvPr/>
+        </p:nvCxnSpPr>
+        <p:spPr>
+          <a:xfrm>
+            <a:off x="6096000" y="3951215"/>
+            <a:ext cx="0" cy="671119"/>
+          </a:xfrm>
+          <a:prstGeom prst="straightConnector1">
+            <a:avLst/>
+          </a:prstGeom>
+          <a:ln>
+            <a:tailEnd type="triangle"/>
+          </a:ln>
+        </p:spPr>
+        <p:style>
+          <a:lnRef idx="1">
+            <a:schemeClr val="dk1"/>
+          </a:lnRef>
+          <a:fillRef idx="0">
+            <a:schemeClr val="dk1"/>
+          </a:fillRef>
+          <a:effectRef idx="0">
+            <a:schemeClr val="dk1"/>
+          </a:effectRef>
+          <a:fontRef idx="minor">
+            <a:schemeClr val="tx1"/>
+          </a:fontRef>
+        </p:style>
+      </p:cxnSp>
+    </p:spTree>
+    <p:extLst>
+      <p:ext uri="{BB962C8B-B14F-4D97-AF65-F5344CB8AC3E}">
+        <p14:creationId xmlns:p14="http://schemas.microsoft.com/office/powerpoint/2010/main" val="3585535365"/>
+      </p:ext>
+    </p:extLst>
+  </p:cSld>
+  <p:clrMapOvr>
+    <a:masterClrMapping/>
+  </p:clrMapOvr>
+  <mc:AlternateContent xmlns:mc="http://schemas.openxmlformats.org/markup-compatibility/2006">
+    <mc:Choice xmlns:p14="http://schemas.microsoft.com/office/powerpoint/2010/main" Requires="p14">
+      <p:transition p14:dur="0"/>
+    </mc:Choice>
+    <mc:Fallback>
+      <p:transition/>
+    </mc:Fallback>
+  </mc:AlternateContent>
+</p:sld>
+</file>
+
+<file path=ppt/slides/slide3.xml><?xml version="1.0" encoding="utf-8"?>
 <p:sld xmlns:a="http://schemas.openxmlformats.org/drawingml/2006/main" xmlns:r="http://schemas.openxmlformats.org/officeDocument/2006/relationships" xmlns:p="http://schemas.openxmlformats.org/presentationml/2006/main">
   <p:cSld>
     <p:spTree>
@@ -15181,6 +15405,32 @@
               <a:t>Object which can be a potential target / context</a:t>
             </a:r>
           </a:p>
+          <a:p>
+            <a:endParaRPr lang="en-GB" dirty="0"/>
+          </a:p>
+          <a:p>
+            <a:endParaRPr lang="en-GB" dirty="0"/>
+          </a:p>
+          <a:p>
+            <a:endParaRPr lang="en-GB" dirty="0"/>
+          </a:p>
+          <a:p>
+            <a:endParaRPr lang="en-GB" dirty="0"/>
+          </a:p>
+          <a:p>
+            <a:endParaRPr lang="en-GB" dirty="0"/>
+          </a:p>
+          <a:p>
+            <a:r>
+              <a:rPr lang="en-GB" dirty="0"/>
+              <a:t>Build up list of potential targets / contexts in </a:t>
+            </a:r>
+            <a:r>
+              <a:rPr lang="en-GB" dirty="0" err="1"/>
+              <a:t>ContextActionMap</a:t>
+            </a:r>
+            <a:endParaRPr lang="en-GB" dirty="0"/>
+          </a:p>
         </p:txBody>
       </p:sp>
       <p:pic>
@@ -15205,7 +15455,7 @@
         </p:blipFill>
         <p:spPr>
           <a:xfrm>
-            <a:off x="2890837" y="2843212"/>
+            <a:off x="2890837" y="2608320"/>
             <a:ext cx="6410325" cy="2085975"/>
           </a:xfrm>
           <a:prstGeom prst="rect">
@@ -15233,6 +15483,200 @@
       <p:transition p14:dur="0"/>
     </mc:Choice>
     <mc:Fallback xmlns="">
+      <p:transition/>
+    </mc:Fallback>
+  </mc:AlternateContent>
+</p:sld>
+</file>
+
+<file path=ppt/slides/slide4.xml><?xml version="1.0" encoding="utf-8"?>
+<p:sld xmlns:a="http://schemas.openxmlformats.org/drawingml/2006/main" xmlns:r="http://schemas.openxmlformats.org/officeDocument/2006/relationships" xmlns:p="http://schemas.openxmlformats.org/presentationml/2006/main">
+  <p:cSld>
+    <p:spTree>
+      <p:nvGrpSpPr>
+        <p:cNvPr id="1" name=""/>
+        <p:cNvGrpSpPr/>
+        <p:nvPr/>
+      </p:nvGrpSpPr>
+      <p:grpSpPr>
+        <a:xfrm>
+          <a:off x="0" y="0"/>
+          <a:ext cx="0" cy="0"/>
+          <a:chOff x="0" y="0"/>
+          <a:chExt cx="0" cy="0"/>
+        </a:xfrm>
+      </p:grpSpPr>
+      <p:sp>
+        <p:nvSpPr>
+          <p:cNvPr id="2" name="Title 1">
+            <a:extLst>
+              <a:ext uri="{FF2B5EF4-FFF2-40B4-BE49-F238E27FC236}">
+                <a16:creationId xmlns:a16="http://schemas.microsoft.com/office/drawing/2014/main" id="{5502F6FB-CF2D-4E3C-9607-4C958EEE9F01}"/>
+              </a:ext>
+            </a:extLst>
+          </p:cNvPr>
+          <p:cNvSpPr>
+            <a:spLocks noGrp="1"/>
+          </p:cNvSpPr>
+          <p:nvPr>
+            <p:ph type="title"/>
+          </p:nvPr>
+        </p:nvSpPr>
+        <p:spPr/>
+        <p:txBody>
+          <a:bodyPr/>
+          <a:lstStyle/>
+          <a:p>
+            <a:r>
+              <a:rPr lang="en-GB" dirty="0"/>
+              <a:t>Most RPG Voice Commands are Imperative</a:t>
+            </a:r>
+          </a:p>
+        </p:txBody>
+      </p:sp>
+      <p:pic>
+        <p:nvPicPr>
+          <p:cNvPr id="4" name="Picture 3">
+            <a:extLst>
+              <a:ext uri="{FF2B5EF4-FFF2-40B4-BE49-F238E27FC236}">
+                <a16:creationId xmlns:a16="http://schemas.microsoft.com/office/drawing/2014/main" id="{1AB7DEF7-0E4D-4613-8F12-50063B9DCEE3}"/>
+              </a:ext>
+            </a:extLst>
+          </p:cNvPr>
+          <p:cNvPicPr>
+            <a:picLocks noChangeAspect="1"/>
+          </p:cNvPicPr>
+          <p:nvPr/>
+        </p:nvPicPr>
+        <p:blipFill>
+          <a:blip r:embed="rId2"/>
+          <a:stretch>
+            <a:fillRect/>
+          </a:stretch>
+        </p:blipFill>
+        <p:spPr>
+          <a:xfrm>
+            <a:off x="2674800" y="1981201"/>
+            <a:ext cx="6842400" cy="3809998"/>
+          </a:xfrm>
+          <a:prstGeom prst="rect">
+            <a:avLst/>
+          </a:prstGeom>
+        </p:spPr>
+      </p:pic>
+    </p:spTree>
+    <p:extLst>
+      <p:ext uri="{BB962C8B-B14F-4D97-AF65-F5344CB8AC3E}">
+        <p14:creationId xmlns:p14="http://schemas.microsoft.com/office/powerpoint/2010/main" val="2505024203"/>
+      </p:ext>
+    </p:extLst>
+  </p:cSld>
+  <p:clrMapOvr>
+    <a:masterClrMapping/>
+  </p:clrMapOvr>
+  <mc:AlternateContent xmlns:mc="http://schemas.openxmlformats.org/markup-compatibility/2006">
+    <mc:Choice xmlns:p14="http://schemas.microsoft.com/office/powerpoint/2010/main" Requires="p14">
+      <p:transition p14:dur="0"/>
+    </mc:Choice>
+    <mc:Fallback>
+      <p:transition/>
+    </mc:Fallback>
+  </mc:AlternateContent>
+</p:sld>
+</file>
+
+<file path=ppt/slides/slide5.xml><?xml version="1.0" encoding="utf-8"?>
+<p:sld xmlns:a="http://schemas.openxmlformats.org/drawingml/2006/main" xmlns:r="http://schemas.openxmlformats.org/officeDocument/2006/relationships" xmlns:p="http://schemas.openxmlformats.org/presentationml/2006/main">
+  <p:cSld>
+    <p:spTree>
+      <p:nvGrpSpPr>
+        <p:cNvPr id="1" name=""/>
+        <p:cNvGrpSpPr/>
+        <p:nvPr/>
+      </p:nvGrpSpPr>
+      <p:grpSpPr>
+        <a:xfrm>
+          <a:off x="0" y="0"/>
+          <a:ext cx="0" cy="0"/>
+          <a:chOff x="0" y="0"/>
+          <a:chExt cx="0" cy="0"/>
+        </a:xfrm>
+      </p:grpSpPr>
+      <p:sp>
+        <p:nvSpPr>
+          <p:cNvPr id="2" name="Title 1">
+            <a:extLst>
+              <a:ext uri="{FF2B5EF4-FFF2-40B4-BE49-F238E27FC236}">
+                <a16:creationId xmlns:a16="http://schemas.microsoft.com/office/drawing/2014/main" id="{3F229A2C-C000-4632-AD22-A0287F924D6E}"/>
+              </a:ext>
+            </a:extLst>
+          </p:cNvPr>
+          <p:cNvSpPr>
+            <a:spLocks noGrp="1"/>
+          </p:cNvSpPr>
+          <p:nvPr>
+            <p:ph type="title"/>
+          </p:nvPr>
+        </p:nvSpPr>
+        <p:spPr/>
+        <p:txBody>
+          <a:bodyPr/>
+          <a:lstStyle/>
+          <a:p>
+            <a:r>
+              <a:rPr lang="en-GB" dirty="0"/>
+              <a:t>Hybrid Methods</a:t>
+            </a:r>
+          </a:p>
+        </p:txBody>
+      </p:sp>
+      <p:pic>
+        <p:nvPicPr>
+          <p:cNvPr id="7" name="Content Placeholder 6">
+            <a:extLst>
+              <a:ext uri="{FF2B5EF4-FFF2-40B4-BE49-F238E27FC236}">
+                <a16:creationId xmlns:a16="http://schemas.microsoft.com/office/drawing/2014/main" id="{E81FA360-6EEA-4116-99ED-BA46A1300C53}"/>
+              </a:ext>
+            </a:extLst>
+          </p:cNvPr>
+          <p:cNvPicPr>
+            <a:picLocks noGrp="1" noChangeAspect="1"/>
+          </p:cNvPicPr>
+          <p:nvPr>
+            <p:ph idx="1"/>
+          </p:nvPr>
+        </p:nvPicPr>
+        <p:blipFill>
+          <a:blip r:embed="rId2"/>
+          <a:stretch>
+            <a:fillRect/>
+          </a:stretch>
+        </p:blipFill>
+        <p:spPr>
+          <a:xfrm>
+            <a:off x="1493995" y="1981200"/>
+            <a:ext cx="9204010" cy="3810000"/>
+          </a:xfrm>
+          <a:prstGeom prst="rect">
+            <a:avLst/>
+          </a:prstGeom>
+        </p:spPr>
+      </p:pic>
+    </p:spTree>
+    <p:extLst>
+      <p:ext uri="{BB962C8B-B14F-4D97-AF65-F5344CB8AC3E}">
+        <p14:creationId xmlns:p14="http://schemas.microsoft.com/office/powerpoint/2010/main" val="2908751563"/>
+      </p:ext>
+    </p:extLst>
+  </p:cSld>
+  <p:clrMapOvr>
+    <a:masterClrMapping/>
+  </p:clrMapOvr>
+  <mc:AlternateContent xmlns:mc="http://schemas.openxmlformats.org/markup-compatibility/2006">
+    <mc:Choice xmlns:p14="http://schemas.microsoft.com/office/powerpoint/2010/main" Requires="p14">
+      <p:transition p14:dur="0"/>
+    </mc:Choice>
+    <mc:Fallback>
       <p:transition/>
     </mc:Fallback>
   </mc:AlternateContent>
